--- a/docs/20140917-AzureSearch-DocumentDB.pptx
+++ b/docs/20140917-AzureSearch-DocumentDB.pptx
@@ -5,7 +5,7 @@
     <p:sldMasterId id="2147483648" r:id="rId1"/>
   </p:sldMasterIdLst>
   <p:notesMasterIdLst>
-    <p:notesMasterId r:id="rId10"/>
+    <p:notesMasterId r:id="rId12"/>
   </p:notesMasterIdLst>
   <p:sldIdLst>
     <p:sldId id="256" r:id="rId2"/>
@@ -15,7 +15,9 @@
     <p:sldId id="260" r:id="rId6"/>
     <p:sldId id="261" r:id="rId7"/>
     <p:sldId id="262" r:id="rId8"/>
-    <p:sldId id="263" r:id="rId9"/>
+    <p:sldId id="264" r:id="rId9"/>
+    <p:sldId id="265" r:id="rId10"/>
+    <p:sldId id="263" r:id="rId11"/>
   </p:sldIdLst>
   <p:sldSz cx="12192000" cy="6858000"/>
   <p:notesSz cx="6858000" cy="9144000"/>
@@ -726,6 +728,113 @@
     <p:extLst>
       <p:ext uri="{BB962C8B-B14F-4D97-AF65-F5344CB8AC3E}">
         <p14:creationId xmlns:p14="http://schemas.microsoft.com/office/powerpoint/2010/main" val="467940629"/>
+      </p:ext>
+    </p:extLst>
+  </p:cSld>
+  <p:clrMapOvr>
+    <a:masterClrMapping/>
+  </p:clrMapOvr>
+</p:notes>
+</file>
+
+<file path=ppt/notesSlides/notesSlide4.xml><?xml version="1.0" encoding="utf-8"?>
+<p:notes xmlns:a="http://schemas.openxmlformats.org/drawingml/2006/main" xmlns:r="http://schemas.openxmlformats.org/officeDocument/2006/relationships" xmlns:p="http://schemas.openxmlformats.org/presentationml/2006/main">
+  <p:cSld>
+    <p:spTree>
+      <p:nvGrpSpPr>
+        <p:cNvPr id="1" name=""/>
+        <p:cNvGrpSpPr/>
+        <p:nvPr/>
+      </p:nvGrpSpPr>
+      <p:grpSpPr>
+        <a:xfrm>
+          <a:off x="0" y="0"/>
+          <a:ext cx="0" cy="0"/>
+          <a:chOff x="0" y="0"/>
+          <a:chExt cx="0" cy="0"/>
+        </a:xfrm>
+      </p:grpSpPr>
+      <p:sp>
+        <p:nvSpPr>
+          <p:cNvPr id="2" name="Slide Image Placeholder 1"/>
+          <p:cNvSpPr>
+            <a:spLocks noGrp="1" noRot="1" noChangeAspect="1"/>
+          </p:cNvSpPr>
+          <p:nvPr>
+            <p:ph type="sldImg"/>
+          </p:nvPr>
+        </p:nvSpPr>
+        <p:spPr/>
+      </p:sp>
+      <p:sp>
+        <p:nvSpPr>
+          <p:cNvPr id="3" name="Notes Placeholder 2"/>
+          <p:cNvSpPr>
+            <a:spLocks noGrp="1"/>
+          </p:cNvSpPr>
+          <p:nvPr>
+            <p:ph type="body" idx="1"/>
+          </p:nvPr>
+        </p:nvSpPr>
+        <p:spPr/>
+        <p:txBody>
+          <a:bodyPr/>
+          <a:lstStyle/>
+          <a:p>
+            <a:pPr marL="0" marR="0" indent="0" algn="l" defTabSz="914400" rtl="0" eaLnBrk="1" fontAlgn="auto" latinLnBrk="0" hangingPunct="1">
+              <a:lnSpc>
+                <a:spcPct val="100000"/>
+              </a:lnSpc>
+              <a:spcBef>
+                <a:spcPts val="0"/>
+              </a:spcBef>
+              <a:spcAft>
+                <a:spcPts val="0"/>
+              </a:spcAft>
+              <a:buClrTx/>
+              <a:buSzTx/>
+              <a:buFontTx/>
+              <a:buNone/>
+              <a:tabLst/>
+              <a:defRPr/>
+            </a:pPr>
+            <a:r>
+              <a:rPr lang="en-US" smtClean="0"/>
+              <a:t>http://azure.microsoft.com/en-us/documentation/articles/documentdb-interactions-with-resources/</a:t>
+            </a:r>
+          </a:p>
+          <a:p>
+            <a:endParaRPr lang="en-US"/>
+          </a:p>
+        </p:txBody>
+      </p:sp>
+      <p:sp>
+        <p:nvSpPr>
+          <p:cNvPr id="4" name="Slide Number Placeholder 3"/>
+          <p:cNvSpPr>
+            <a:spLocks noGrp="1"/>
+          </p:cNvSpPr>
+          <p:nvPr>
+            <p:ph type="sldNum" sz="quarter" idx="10"/>
+          </p:nvPr>
+        </p:nvSpPr>
+        <p:spPr/>
+        <p:txBody>
+          <a:bodyPr/>
+          <a:lstStyle/>
+          <a:p>
+            <a:fld id="{B6431F92-6A98-4640-A1EA-0E76A10AC09A}" type="slidenum">
+              <a:rPr lang="en-US" smtClean="0"/>
+              <a:t>8</a:t>
+            </a:fld>
+            <a:endParaRPr lang="en-US"/>
+          </a:p>
+        </p:txBody>
+      </p:sp>
+    </p:spTree>
+    <p:extLst>
+      <p:ext uri="{BB962C8B-B14F-4D97-AF65-F5344CB8AC3E}">
+        <p14:creationId xmlns:p14="http://schemas.microsoft.com/office/powerpoint/2010/main" val="2939109319"/>
       </p:ext>
     </p:extLst>
   </p:cSld>
@@ -3937,6 +4046,313 @@
 </p:sld>
 </file>
 
+<file path=ppt/slides/slide10.xml><?xml version="1.0" encoding="utf-8"?>
+<p:sld xmlns:a="http://schemas.openxmlformats.org/drawingml/2006/main" xmlns:r="http://schemas.openxmlformats.org/officeDocument/2006/relationships" xmlns:p="http://schemas.openxmlformats.org/presentationml/2006/main">
+  <p:cSld>
+    <p:spTree>
+      <p:nvGrpSpPr>
+        <p:cNvPr id="1" name=""/>
+        <p:cNvGrpSpPr/>
+        <p:nvPr/>
+      </p:nvGrpSpPr>
+      <p:grpSpPr>
+        <a:xfrm>
+          <a:off x="0" y="0"/>
+          <a:ext cx="0" cy="0"/>
+          <a:chOff x="0" y="0"/>
+          <a:chExt cx="0" cy="0"/>
+        </a:xfrm>
+      </p:grpSpPr>
+      <p:sp>
+        <p:nvSpPr>
+          <p:cNvPr id="3" name="Content Placeholder 2"/>
+          <p:cNvSpPr>
+            <a:spLocks noGrp="1"/>
+          </p:cNvSpPr>
+          <p:nvPr>
+            <p:ph idx="1"/>
+          </p:nvPr>
+        </p:nvSpPr>
+        <p:spPr>
+          <a:xfrm>
+            <a:off x="838200" y="5413652"/>
+            <a:ext cx="10515600" cy="639279"/>
+          </a:xfrm>
+        </p:spPr>
+        <p:txBody>
+          <a:bodyPr/>
+          <a:lstStyle/>
+          <a:p>
+            <a:pPr marL="0" indent="0">
+              <a:buNone/>
+            </a:pPr>
+            <a:r>
+              <a:rPr lang="en-US" dirty="0" smtClean="0"/>
+              <a:t>Creating a search instance</a:t>
+            </a:r>
+            <a:endParaRPr lang="en-US" dirty="0"/>
+          </a:p>
+        </p:txBody>
+      </p:sp>
+      <p:pic>
+        <p:nvPicPr>
+          <p:cNvPr id="4" name="Picture 3"/>
+          <p:cNvPicPr>
+            <a:picLocks noChangeAspect="1"/>
+          </p:cNvPicPr>
+          <p:nvPr/>
+        </p:nvPicPr>
+        <p:blipFill>
+          <a:blip r:embed="rId2"/>
+          <a:stretch>
+            <a:fillRect/>
+          </a:stretch>
+        </p:blipFill>
+        <p:spPr>
+          <a:xfrm>
+            <a:off x="5" y="0"/>
+            <a:ext cx="3214676" cy="2103120"/>
+          </a:xfrm>
+          <a:prstGeom prst="rect">
+            <a:avLst/>
+          </a:prstGeom>
+        </p:spPr>
+      </p:pic>
+      <p:pic>
+        <p:nvPicPr>
+          <p:cNvPr id="5" name="Picture 4"/>
+          <p:cNvPicPr>
+            <a:picLocks noChangeAspect="1"/>
+          </p:cNvPicPr>
+          <p:nvPr/>
+        </p:nvPicPr>
+        <p:blipFill>
+          <a:blip r:embed="rId3"/>
+          <a:stretch>
+            <a:fillRect/>
+          </a:stretch>
+        </p:blipFill>
+        <p:spPr>
+          <a:xfrm>
+            <a:off x="3357198" y="0"/>
+            <a:ext cx="4370681" cy="4114800"/>
+          </a:xfrm>
+          <a:prstGeom prst="rect">
+            <a:avLst/>
+          </a:prstGeom>
+        </p:spPr>
+      </p:pic>
+      <p:pic>
+        <p:nvPicPr>
+          <p:cNvPr id="6" name="Picture 5"/>
+          <p:cNvPicPr>
+            <a:picLocks noChangeAspect="1"/>
+          </p:cNvPicPr>
+          <p:nvPr/>
+        </p:nvPicPr>
+        <p:blipFill>
+          <a:blip r:embed="rId4"/>
+          <a:stretch>
+            <a:fillRect/>
+          </a:stretch>
+        </p:blipFill>
+        <p:spPr>
+          <a:xfrm>
+            <a:off x="7727879" y="2377440"/>
+            <a:ext cx="4464121" cy="4480560"/>
+          </a:xfrm>
+          <a:prstGeom prst="rect">
+            <a:avLst/>
+          </a:prstGeom>
+        </p:spPr>
+      </p:pic>
+      <p:sp>
+        <p:nvSpPr>
+          <p:cNvPr id="7" name="Right Arrow 6"/>
+          <p:cNvSpPr/>
+          <p:nvPr/>
+        </p:nvSpPr>
+        <p:spPr>
+          <a:xfrm>
+            <a:off x="2017643" y="2375452"/>
+            <a:ext cx="974035" cy="437322"/>
+          </a:xfrm>
+          <a:prstGeom prst="rightArrow">
+            <a:avLst/>
+          </a:prstGeom>
+        </p:spPr>
+        <p:style>
+          <a:lnRef idx="2">
+            <a:schemeClr val="accent1">
+              <a:shade val="50000"/>
+            </a:schemeClr>
+          </a:lnRef>
+          <a:fillRef idx="1">
+            <a:schemeClr val="accent1"/>
+          </a:fillRef>
+          <a:effectRef idx="0">
+            <a:schemeClr val="accent1"/>
+          </a:effectRef>
+          <a:fontRef idx="minor">
+            <a:schemeClr val="lt1"/>
+          </a:fontRef>
+        </p:style>
+        <p:txBody>
+          <a:bodyPr rtlCol="0" anchor="ctr"/>
+          <a:lstStyle/>
+          <a:p>
+            <a:pPr algn="ctr"/>
+            <a:endParaRPr lang="en-US"/>
+          </a:p>
+        </p:txBody>
+      </p:sp>
+      <p:sp>
+        <p:nvSpPr>
+          <p:cNvPr id="8" name="Right Arrow 7"/>
+          <p:cNvSpPr/>
+          <p:nvPr/>
+        </p:nvSpPr>
+        <p:spPr>
+          <a:xfrm>
+            <a:off x="6402661" y="5006146"/>
+            <a:ext cx="974035" cy="437322"/>
+          </a:xfrm>
+          <a:prstGeom prst="rightArrow">
+            <a:avLst/>
+          </a:prstGeom>
+        </p:spPr>
+        <p:style>
+          <a:lnRef idx="2">
+            <a:schemeClr val="accent1">
+              <a:shade val="50000"/>
+            </a:schemeClr>
+          </a:lnRef>
+          <a:fillRef idx="1">
+            <a:schemeClr val="accent1"/>
+          </a:fillRef>
+          <a:effectRef idx="0">
+            <a:schemeClr val="accent1"/>
+          </a:effectRef>
+          <a:fontRef idx="minor">
+            <a:schemeClr val="lt1"/>
+          </a:fontRef>
+        </p:style>
+        <p:txBody>
+          <a:bodyPr rtlCol="0" anchor="ctr"/>
+          <a:lstStyle/>
+          <a:p>
+            <a:pPr algn="ctr"/>
+            <a:endParaRPr lang="en-US"/>
+          </a:p>
+        </p:txBody>
+      </p:sp>
+      <p:sp>
+        <p:nvSpPr>
+          <p:cNvPr id="9" name="Rectangle 8"/>
+          <p:cNvSpPr/>
+          <p:nvPr/>
+        </p:nvSpPr>
+        <p:spPr>
+          <a:xfrm>
+            <a:off x="3402495" y="3541712"/>
+            <a:ext cx="2073966" cy="503514"/>
+          </a:xfrm>
+          <a:prstGeom prst="rect">
+            <a:avLst/>
+          </a:prstGeom>
+          <a:noFill/>
+          <a:ln w="38100">
+            <a:solidFill>
+              <a:srgbClr val="C00000"/>
+            </a:solidFill>
+          </a:ln>
+        </p:spPr>
+        <p:style>
+          <a:lnRef idx="2">
+            <a:schemeClr val="accent1">
+              <a:shade val="50000"/>
+            </a:schemeClr>
+          </a:lnRef>
+          <a:fillRef idx="1">
+            <a:schemeClr val="accent1"/>
+          </a:fillRef>
+          <a:effectRef idx="0">
+            <a:schemeClr val="accent1"/>
+          </a:effectRef>
+          <a:fontRef idx="minor">
+            <a:schemeClr val="lt1"/>
+          </a:fontRef>
+        </p:style>
+        <p:txBody>
+          <a:bodyPr rtlCol="0" anchor="ctr"/>
+          <a:lstStyle/>
+          <a:p>
+            <a:pPr algn="ctr"/>
+            <a:endParaRPr lang="en-US"/>
+          </a:p>
+        </p:txBody>
+      </p:sp>
+      <p:sp>
+        <p:nvSpPr>
+          <p:cNvPr id="10" name="Down Arrow 9"/>
+          <p:cNvSpPr/>
+          <p:nvPr/>
+        </p:nvSpPr>
+        <p:spPr>
+          <a:xfrm>
+            <a:off x="4712651" y="2677008"/>
+            <a:ext cx="377712" cy="864704"/>
+          </a:xfrm>
+          <a:prstGeom prst="downArrow">
+            <a:avLst/>
+          </a:prstGeom>
+          <a:solidFill>
+            <a:srgbClr val="C00000"/>
+          </a:solidFill>
+          <a:ln>
+            <a:solidFill>
+              <a:srgbClr val="C00000"/>
+            </a:solidFill>
+          </a:ln>
+        </p:spPr>
+        <p:style>
+          <a:lnRef idx="2">
+            <a:schemeClr val="accent1">
+              <a:shade val="50000"/>
+            </a:schemeClr>
+          </a:lnRef>
+          <a:fillRef idx="1">
+            <a:schemeClr val="accent1"/>
+          </a:fillRef>
+          <a:effectRef idx="0">
+            <a:schemeClr val="accent1"/>
+          </a:effectRef>
+          <a:fontRef idx="minor">
+            <a:schemeClr val="lt1"/>
+          </a:fontRef>
+        </p:style>
+        <p:txBody>
+          <a:bodyPr rtlCol="0" anchor="ctr"/>
+          <a:lstStyle/>
+          <a:p>
+            <a:pPr algn="ctr"/>
+            <a:endParaRPr lang="en-US" dirty="0"/>
+          </a:p>
+        </p:txBody>
+      </p:sp>
+    </p:spTree>
+    <p:extLst>
+      <p:ext uri="{BB962C8B-B14F-4D97-AF65-F5344CB8AC3E}">
+        <p14:creationId xmlns:p14="http://schemas.microsoft.com/office/powerpoint/2010/main" val="4054387335"/>
+      </p:ext>
+    </p:extLst>
+  </p:cSld>
+  <p:clrMapOvr>
+    <a:masterClrMapping/>
+  </p:clrMapOvr>
+</p:sld>
+</file>
+
 <file path=ppt/slides/slide2.xml><?xml version="1.0" encoding="utf-8"?>
 <p:sld xmlns:a="http://schemas.openxmlformats.org/drawingml/2006/main" xmlns:r="http://schemas.openxmlformats.org/officeDocument/2006/relationships" xmlns:p="http://schemas.openxmlformats.org/presentationml/2006/main">
   <p:cSld>
@@ -4645,8 +5061,8 @@
         </p:nvSpPr>
         <p:spPr>
           <a:xfrm>
-            <a:off x="8177804" y="1001313"/>
-            <a:ext cx="3772343" cy="461665"/>
+            <a:off x="7724991" y="961557"/>
+            <a:ext cx="4314608" cy="707886"/>
           </a:xfrm>
           <a:prstGeom prst="rect">
             <a:avLst/>
@@ -4660,7 +5076,7 @@
           <a:lstStyle/>
           <a:p>
             <a:r>
-              <a:rPr lang="en-US" sz="2400" b="1" dirty="0" smtClean="0">
+              <a:rPr lang="en-US" sz="4000" b="1" dirty="0" smtClean="0">
                 <a:solidFill>
                   <a:srgbClr val="C00000"/>
                 </a:solidFill>
@@ -4668,7 +5084,7 @@
               </a:rPr>
               <a:t> We are hiring!!!</a:t>
             </a:r>
-            <a:endParaRPr lang="en-US" sz="2400" b="1" dirty="0">
+            <a:endParaRPr lang="en-US" sz="4000" b="1" dirty="0">
               <a:solidFill>
                 <a:srgbClr val="C00000"/>
               </a:solidFill>
@@ -5950,30 +6366,124 @@
       </p:grpSpPr>
       <p:sp>
         <p:nvSpPr>
-          <p:cNvPr id="3" name="Content Placeholder 2"/>
-          <p:cNvSpPr>
-            <a:spLocks noGrp="1"/>
-          </p:cNvSpPr>
-          <p:nvPr>
-            <p:ph idx="1"/>
-          </p:nvPr>
-        </p:nvSpPr>
-        <p:spPr>
-          <a:xfrm>
-            <a:off x="838200" y="5413652"/>
-            <a:ext cx="10515600" cy="639279"/>
-          </a:xfrm>
-        </p:spPr>
+          <p:cNvPr id="2" name="Title 1"/>
+          <p:cNvSpPr>
+            <a:spLocks noGrp="1"/>
+          </p:cNvSpPr>
+          <p:nvPr>
+            <p:ph type="title"/>
+          </p:nvPr>
+        </p:nvSpPr>
+        <p:spPr/>
         <p:txBody>
           <a:bodyPr/>
           <a:lstStyle/>
           <a:p>
-            <a:pPr marL="0" indent="0">
-              <a:buNone/>
-            </a:pPr>
             <a:r>
               <a:rPr lang="en-US" dirty="0" smtClean="0"/>
-              <a:t>Creating a search instance</a:t>
+              <a:t>Understanding the </a:t>
+            </a:r>
+            <a:r>
+              <a:rPr lang="en-US" dirty="0" err="1" smtClean="0"/>
+              <a:t>DocumentDB</a:t>
+            </a:r>
+            <a:r>
+              <a:rPr lang="en-US" dirty="0" smtClean="0"/>
+              <a:t> structure</a:t>
+            </a:r>
+            <a:endParaRPr lang="en-US" dirty="0"/>
+          </a:p>
+        </p:txBody>
+      </p:sp>
+      <p:pic>
+        <p:nvPicPr>
+          <p:cNvPr id="5122" name="Picture 2" descr="https://acomdpsstorage.blob.core.windows.net/dpsmedia-prod/azure.microsoft.com/en-us/documentation/articles/documentdb-interactions-with-resources/20140904052621/interactions-with-resources1.png"/>
+          <p:cNvPicPr>
+            <a:picLocks noChangeAspect="1" noChangeArrowheads="1"/>
+          </p:cNvPicPr>
+          <p:nvPr/>
+        </p:nvPicPr>
+        <p:blipFill>
+          <a:blip r:embed="rId3">
+            <a:extLst>
+              <a:ext uri="{28A0092B-C50C-407E-A947-70E740481C1C}">
+                <a14:useLocalDpi xmlns:a14="http://schemas.microsoft.com/office/drawing/2010/main" val="0"/>
+              </a:ext>
+            </a:extLst>
+          </a:blip>
+          <a:srcRect/>
+          <a:stretch>
+            <a:fillRect/>
+          </a:stretch>
+        </p:blipFill>
+        <p:spPr bwMode="auto">
+          <a:xfrm>
+            <a:off x="2381413" y="1437775"/>
+            <a:ext cx="6720177" cy="5345413"/>
+          </a:xfrm>
+          <a:prstGeom prst="rect">
+            <a:avLst/>
+          </a:prstGeom>
+          <a:noFill/>
+          <a:extLst>
+            <a:ext uri="{909E8E84-426E-40DD-AFC4-6F175D3DCCD1}">
+              <a14:hiddenFill xmlns:a14="http://schemas.microsoft.com/office/drawing/2010/main">
+                <a:solidFill>
+                  <a:srgbClr val="FFFFFF"/>
+                </a:solidFill>
+              </a14:hiddenFill>
+            </a:ext>
+          </a:extLst>
+        </p:spPr>
+      </p:pic>
+    </p:spTree>
+    <p:extLst>
+      <p:ext uri="{BB962C8B-B14F-4D97-AF65-F5344CB8AC3E}">
+        <p14:creationId xmlns:p14="http://schemas.microsoft.com/office/powerpoint/2010/main" val="3275448005"/>
+      </p:ext>
+    </p:extLst>
+  </p:cSld>
+  <p:clrMapOvr>
+    <a:masterClrMapping/>
+  </p:clrMapOvr>
+</p:sld>
+</file>
+
+<file path=ppt/slides/slide9.xml><?xml version="1.0" encoding="utf-8"?>
+<p:sld xmlns:a="http://schemas.openxmlformats.org/drawingml/2006/main" xmlns:r="http://schemas.openxmlformats.org/officeDocument/2006/relationships" xmlns:p="http://schemas.openxmlformats.org/presentationml/2006/main">
+  <p:cSld>
+    <p:spTree>
+      <p:nvGrpSpPr>
+        <p:cNvPr id="1" name=""/>
+        <p:cNvGrpSpPr/>
+        <p:nvPr/>
+      </p:nvGrpSpPr>
+      <p:grpSpPr>
+        <a:xfrm>
+          <a:off x="0" y="0"/>
+          <a:ext cx="0" cy="0"/>
+          <a:chOff x="0" y="0"/>
+          <a:chExt cx="0" cy="0"/>
+        </a:xfrm>
+      </p:grpSpPr>
+      <p:sp>
+        <p:nvSpPr>
+          <p:cNvPr id="2" name="Title 1"/>
+          <p:cNvSpPr>
+            <a:spLocks noGrp="1"/>
+          </p:cNvSpPr>
+          <p:nvPr>
+            <p:ph type="title"/>
+          </p:nvPr>
+        </p:nvSpPr>
+        <p:spPr/>
+        <p:txBody>
+          <a:bodyPr/>
+          <a:lstStyle/>
+          <a:p>
+            <a:r>
+              <a:rPr lang="en-US" dirty="0" smtClean="0"/>
+              <a:t>Populating the document store</a:t>
             </a:r>
             <a:endParaRPr lang="en-US" dirty="0"/>
           </a:p>
@@ -5995,240 +6505,18 @@
         </p:blipFill>
         <p:spPr>
           <a:xfrm>
-            <a:off x="5" y="0"/>
-            <a:ext cx="3214676" cy="2103120"/>
+            <a:off x="770725" y="1374500"/>
+            <a:ext cx="10710184" cy="5480603"/>
           </a:xfrm>
           <a:prstGeom prst="rect">
             <a:avLst/>
           </a:prstGeom>
         </p:spPr>
       </p:pic>
-      <p:pic>
-        <p:nvPicPr>
-          <p:cNvPr id="5" name="Picture 4"/>
-          <p:cNvPicPr>
-            <a:picLocks noChangeAspect="1"/>
-          </p:cNvPicPr>
-          <p:nvPr/>
-        </p:nvPicPr>
-        <p:blipFill>
-          <a:blip r:embed="rId3"/>
-          <a:stretch>
-            <a:fillRect/>
-          </a:stretch>
-        </p:blipFill>
-        <p:spPr>
-          <a:xfrm>
-            <a:off x="3357198" y="0"/>
-            <a:ext cx="4370681" cy="4114800"/>
-          </a:xfrm>
-          <a:prstGeom prst="rect">
-            <a:avLst/>
-          </a:prstGeom>
-        </p:spPr>
-      </p:pic>
-      <p:pic>
-        <p:nvPicPr>
-          <p:cNvPr id="6" name="Picture 5"/>
-          <p:cNvPicPr>
-            <a:picLocks noChangeAspect="1"/>
-          </p:cNvPicPr>
-          <p:nvPr/>
-        </p:nvPicPr>
-        <p:blipFill>
-          <a:blip r:embed="rId4"/>
-          <a:stretch>
-            <a:fillRect/>
-          </a:stretch>
-        </p:blipFill>
-        <p:spPr>
-          <a:xfrm>
-            <a:off x="7727879" y="2377440"/>
-            <a:ext cx="4464121" cy="4480560"/>
-          </a:xfrm>
-          <a:prstGeom prst="rect">
-            <a:avLst/>
-          </a:prstGeom>
-        </p:spPr>
-      </p:pic>
-      <p:sp>
-        <p:nvSpPr>
-          <p:cNvPr id="7" name="Right Arrow 6"/>
-          <p:cNvSpPr/>
-          <p:nvPr/>
-        </p:nvSpPr>
-        <p:spPr>
-          <a:xfrm>
-            <a:off x="2017643" y="2375452"/>
-            <a:ext cx="974035" cy="437322"/>
-          </a:xfrm>
-          <a:prstGeom prst="rightArrow">
-            <a:avLst/>
-          </a:prstGeom>
-        </p:spPr>
-        <p:style>
-          <a:lnRef idx="2">
-            <a:schemeClr val="accent1">
-              <a:shade val="50000"/>
-            </a:schemeClr>
-          </a:lnRef>
-          <a:fillRef idx="1">
-            <a:schemeClr val="accent1"/>
-          </a:fillRef>
-          <a:effectRef idx="0">
-            <a:schemeClr val="accent1"/>
-          </a:effectRef>
-          <a:fontRef idx="minor">
-            <a:schemeClr val="lt1"/>
-          </a:fontRef>
-        </p:style>
-        <p:txBody>
-          <a:bodyPr rtlCol="0" anchor="ctr"/>
-          <a:lstStyle/>
-          <a:p>
-            <a:pPr algn="ctr"/>
-            <a:endParaRPr lang="en-US"/>
-          </a:p>
-        </p:txBody>
-      </p:sp>
-      <p:sp>
-        <p:nvSpPr>
-          <p:cNvPr id="8" name="Right Arrow 7"/>
-          <p:cNvSpPr/>
-          <p:nvPr/>
-        </p:nvSpPr>
-        <p:spPr>
-          <a:xfrm>
-            <a:off x="6402661" y="5006146"/>
-            <a:ext cx="974035" cy="437322"/>
-          </a:xfrm>
-          <a:prstGeom prst="rightArrow">
-            <a:avLst/>
-          </a:prstGeom>
-        </p:spPr>
-        <p:style>
-          <a:lnRef idx="2">
-            <a:schemeClr val="accent1">
-              <a:shade val="50000"/>
-            </a:schemeClr>
-          </a:lnRef>
-          <a:fillRef idx="1">
-            <a:schemeClr val="accent1"/>
-          </a:fillRef>
-          <a:effectRef idx="0">
-            <a:schemeClr val="accent1"/>
-          </a:effectRef>
-          <a:fontRef idx="minor">
-            <a:schemeClr val="lt1"/>
-          </a:fontRef>
-        </p:style>
-        <p:txBody>
-          <a:bodyPr rtlCol="0" anchor="ctr"/>
-          <a:lstStyle/>
-          <a:p>
-            <a:pPr algn="ctr"/>
-            <a:endParaRPr lang="en-US"/>
-          </a:p>
-        </p:txBody>
-      </p:sp>
-      <p:sp>
-        <p:nvSpPr>
-          <p:cNvPr id="9" name="Rectangle 8"/>
-          <p:cNvSpPr/>
-          <p:nvPr/>
-        </p:nvSpPr>
-        <p:spPr>
-          <a:xfrm>
-            <a:off x="3402495" y="3541712"/>
-            <a:ext cx="2073966" cy="503514"/>
-          </a:xfrm>
-          <a:prstGeom prst="rect">
-            <a:avLst/>
-          </a:prstGeom>
-          <a:noFill/>
-          <a:ln w="38100">
-            <a:solidFill>
-              <a:srgbClr val="C00000"/>
-            </a:solidFill>
-          </a:ln>
-        </p:spPr>
-        <p:style>
-          <a:lnRef idx="2">
-            <a:schemeClr val="accent1">
-              <a:shade val="50000"/>
-            </a:schemeClr>
-          </a:lnRef>
-          <a:fillRef idx="1">
-            <a:schemeClr val="accent1"/>
-          </a:fillRef>
-          <a:effectRef idx="0">
-            <a:schemeClr val="accent1"/>
-          </a:effectRef>
-          <a:fontRef idx="minor">
-            <a:schemeClr val="lt1"/>
-          </a:fontRef>
-        </p:style>
-        <p:txBody>
-          <a:bodyPr rtlCol="0" anchor="ctr"/>
-          <a:lstStyle/>
-          <a:p>
-            <a:pPr algn="ctr"/>
-            <a:endParaRPr lang="en-US"/>
-          </a:p>
-        </p:txBody>
-      </p:sp>
-      <p:sp>
-        <p:nvSpPr>
-          <p:cNvPr id="10" name="Down Arrow 9"/>
-          <p:cNvSpPr/>
-          <p:nvPr/>
-        </p:nvSpPr>
-        <p:spPr>
-          <a:xfrm>
-            <a:off x="4712651" y="2677008"/>
-            <a:ext cx="377712" cy="864704"/>
-          </a:xfrm>
-          <a:prstGeom prst="downArrow">
-            <a:avLst/>
-          </a:prstGeom>
-          <a:solidFill>
-            <a:srgbClr val="C00000"/>
-          </a:solidFill>
-          <a:ln>
-            <a:solidFill>
-              <a:srgbClr val="C00000"/>
-            </a:solidFill>
-          </a:ln>
-        </p:spPr>
-        <p:style>
-          <a:lnRef idx="2">
-            <a:schemeClr val="accent1">
-              <a:shade val="50000"/>
-            </a:schemeClr>
-          </a:lnRef>
-          <a:fillRef idx="1">
-            <a:schemeClr val="accent1"/>
-          </a:fillRef>
-          <a:effectRef idx="0">
-            <a:schemeClr val="accent1"/>
-          </a:effectRef>
-          <a:fontRef idx="minor">
-            <a:schemeClr val="lt1"/>
-          </a:fontRef>
-        </p:style>
-        <p:txBody>
-          <a:bodyPr rtlCol="0" anchor="ctr"/>
-          <a:lstStyle/>
-          <a:p>
-            <a:pPr algn="ctr"/>
-            <a:endParaRPr lang="en-US" dirty="0"/>
-          </a:p>
-        </p:txBody>
-      </p:sp>
     </p:spTree>
     <p:extLst>
       <p:ext uri="{BB962C8B-B14F-4D97-AF65-F5344CB8AC3E}">
-        <p14:creationId xmlns:p14="http://schemas.microsoft.com/office/powerpoint/2010/main" val="4054387335"/>
+        <p14:creationId xmlns:p14="http://schemas.microsoft.com/office/powerpoint/2010/main" val="2201547066"/>
       </p:ext>
     </p:extLst>
   </p:cSld>

--- a/docs/20140917-AzureSearch-DocumentDB.pptx
+++ b/docs/20140917-AzureSearch-DocumentDB.pptx
@@ -5,7 +5,7 @@
     <p:sldMasterId id="2147483648" r:id="rId1"/>
   </p:sldMasterIdLst>
   <p:notesMasterIdLst>
-    <p:notesMasterId r:id="rId12"/>
+    <p:notesMasterId r:id="rId14"/>
   </p:notesMasterIdLst>
   <p:sldIdLst>
     <p:sldId id="256" r:id="rId2"/>
@@ -17,7 +17,9 @@
     <p:sldId id="262" r:id="rId8"/>
     <p:sldId id="264" r:id="rId9"/>
     <p:sldId id="265" r:id="rId10"/>
-    <p:sldId id="263" r:id="rId11"/>
+    <p:sldId id="266" r:id="rId11"/>
+    <p:sldId id="267" r:id="rId12"/>
+    <p:sldId id="263" r:id="rId13"/>
   </p:sldIdLst>
   <p:sldSz cx="12192000" cy="6858000"/>
   <p:notesSz cx="6858000" cy="9144000"/>
@@ -799,12 +801,12 @@
               <a:defRPr/>
             </a:pPr>
             <a:r>
-              <a:rPr lang="en-US" smtClean="0"/>
+              <a:rPr lang="en-US" dirty="0" smtClean="0"/>
               <a:t>http://azure.microsoft.com/en-us/documentation/articles/documentdb-interactions-with-resources/</a:t>
             </a:r>
           </a:p>
           <a:p>
-            <a:endParaRPr lang="en-US"/>
+            <a:endParaRPr lang="en-US" dirty="0"/>
           </a:p>
         </p:txBody>
       </p:sp>
@@ -4047,6 +4049,388 @@
 </file>
 
 <file path=ppt/slides/slide10.xml><?xml version="1.0" encoding="utf-8"?>
+<p:sld xmlns:a="http://schemas.openxmlformats.org/drawingml/2006/main" xmlns:r="http://schemas.openxmlformats.org/officeDocument/2006/relationships" xmlns:p="http://schemas.openxmlformats.org/presentationml/2006/main">
+  <p:cSld>
+    <p:spTree>
+      <p:nvGrpSpPr>
+        <p:cNvPr id="1" name=""/>
+        <p:cNvGrpSpPr/>
+        <p:nvPr/>
+      </p:nvGrpSpPr>
+      <p:grpSpPr>
+        <a:xfrm>
+          <a:off x="0" y="0"/>
+          <a:ext cx="0" cy="0"/>
+          <a:chOff x="0" y="0"/>
+          <a:chExt cx="0" cy="0"/>
+        </a:xfrm>
+      </p:grpSpPr>
+      <p:sp>
+        <p:nvSpPr>
+          <p:cNvPr id="2" name="Title 1"/>
+          <p:cNvSpPr>
+            <a:spLocks noGrp="1"/>
+          </p:cNvSpPr>
+          <p:nvPr>
+            <p:ph type="title"/>
+          </p:nvPr>
+        </p:nvSpPr>
+        <p:spPr/>
+        <p:txBody>
+          <a:bodyPr/>
+          <a:lstStyle/>
+          <a:p>
+            <a:r>
+              <a:rPr lang="en-US" dirty="0" smtClean="0"/>
+              <a:t>Querying</a:t>
+            </a:r>
+            <a:endParaRPr lang="en-US" dirty="0"/>
+          </a:p>
+        </p:txBody>
+      </p:sp>
+      <p:pic>
+        <p:nvPicPr>
+          <p:cNvPr id="4" name="Picture 3"/>
+          <p:cNvPicPr>
+            <a:picLocks noChangeAspect="1"/>
+          </p:cNvPicPr>
+          <p:nvPr/>
+        </p:nvPicPr>
+        <p:blipFill>
+          <a:blip r:embed="rId2"/>
+          <a:stretch>
+            <a:fillRect/>
+          </a:stretch>
+        </p:blipFill>
+        <p:spPr>
+          <a:xfrm>
+            <a:off x="3855761" y="483290"/>
+            <a:ext cx="6448425" cy="5772150"/>
+          </a:xfrm>
+          <a:prstGeom prst="rect">
+            <a:avLst/>
+          </a:prstGeom>
+        </p:spPr>
+      </p:pic>
+      <p:sp>
+        <p:nvSpPr>
+          <p:cNvPr id="5" name="TextBox 4"/>
+          <p:cNvSpPr txBox="1"/>
+          <p:nvPr/>
+        </p:nvSpPr>
+        <p:spPr>
+          <a:xfrm>
+            <a:off x="576470" y="2325756"/>
+            <a:ext cx="3150704" cy="1477328"/>
+          </a:xfrm>
+          <a:prstGeom prst="rect">
+            <a:avLst/>
+          </a:prstGeom>
+          <a:noFill/>
+        </p:spPr>
+        <p:txBody>
+          <a:bodyPr wrap="square" rtlCol="0">
+            <a:spAutoFit/>
+          </a:bodyPr>
+          <a:lstStyle/>
+          <a:p>
+            <a:r>
+              <a:rPr lang="en-US" dirty="0"/>
+              <a:t>string </a:t>
+            </a:r>
+            <a:r>
+              <a:rPr lang="en-US" dirty="0" err="1"/>
+              <a:t>sql</a:t>
+            </a:r>
+            <a:r>
+              <a:rPr lang="en-US" dirty="0"/>
+              <a:t> = </a:t>
+            </a:r>
+            <a:r>
+              <a:rPr lang="en-US" dirty="0" err="1"/>
+              <a:t>String.Format</a:t>
+            </a:r>
+            <a:r>
+              <a:rPr lang="en-US" dirty="0"/>
+              <a:t>("SELECT * FROM {0} l WHERE </a:t>
+            </a:r>
+            <a:r>
+              <a:rPr lang="en-US" dirty="0" err="1"/>
+              <a:t>l.Package</a:t>
+            </a:r>
+            <a:r>
+              <a:rPr lang="en-US" dirty="0"/>
+              <a:t> = '</a:t>
+            </a:r>
+            <a:r>
+              <a:rPr lang="en-US" dirty="0" err="1"/>
+              <a:t>rubicon</a:t>
+            </a:r>
+            <a:r>
+              <a:rPr lang="en-US" dirty="0"/>
+              <a:t>'", </a:t>
+            </a:r>
+            <a:r>
+              <a:rPr lang="en-US" dirty="0" err="1"/>
+              <a:t>Keys.ListingCollectionName</a:t>
+            </a:r>
+            <a:r>
+              <a:rPr lang="en-US" dirty="0"/>
+              <a:t>);</a:t>
+            </a:r>
+          </a:p>
+        </p:txBody>
+      </p:sp>
+      <p:sp>
+        <p:nvSpPr>
+          <p:cNvPr id="6" name="TextBox 5"/>
+          <p:cNvSpPr txBox="1"/>
+          <p:nvPr/>
+        </p:nvSpPr>
+        <p:spPr>
+          <a:xfrm>
+            <a:off x="440635" y="6255440"/>
+            <a:ext cx="7965835" cy="369332"/>
+          </a:xfrm>
+          <a:prstGeom prst="rect">
+            <a:avLst/>
+          </a:prstGeom>
+          <a:noFill/>
+        </p:spPr>
+        <p:txBody>
+          <a:bodyPr wrap="none" rtlCol="0">
+            <a:spAutoFit/>
+          </a:bodyPr>
+          <a:lstStyle/>
+          <a:p>
+            <a:r>
+              <a:rPr lang="en-US" dirty="0" smtClean="0"/>
+              <a:t>http://azure.microsoft.com/en-us/documentation/articles/documentdb-sql-query/</a:t>
+            </a:r>
+            <a:endParaRPr lang="en-US" dirty="0"/>
+          </a:p>
+        </p:txBody>
+      </p:sp>
+    </p:spTree>
+    <p:extLst>
+      <p:ext uri="{BB962C8B-B14F-4D97-AF65-F5344CB8AC3E}">
+        <p14:creationId xmlns:p14="http://schemas.microsoft.com/office/powerpoint/2010/main" val="1062708154"/>
+      </p:ext>
+    </p:extLst>
+  </p:cSld>
+  <p:clrMapOvr>
+    <a:masterClrMapping/>
+  </p:clrMapOvr>
+</p:sld>
+</file>
+
+<file path=ppt/slides/slide11.xml><?xml version="1.0" encoding="utf-8"?>
+<p:sld xmlns:a="http://schemas.openxmlformats.org/drawingml/2006/main" xmlns:r="http://schemas.openxmlformats.org/officeDocument/2006/relationships" xmlns:p="http://schemas.openxmlformats.org/presentationml/2006/main">
+  <p:cSld>
+    <p:spTree>
+      <p:nvGrpSpPr>
+        <p:cNvPr id="1" name=""/>
+        <p:cNvGrpSpPr/>
+        <p:nvPr/>
+      </p:nvGrpSpPr>
+      <p:grpSpPr>
+        <a:xfrm>
+          <a:off x="0" y="0"/>
+          <a:ext cx="0" cy="0"/>
+          <a:chOff x="0" y="0"/>
+          <a:chExt cx="0" cy="0"/>
+        </a:xfrm>
+      </p:grpSpPr>
+      <p:sp>
+        <p:nvSpPr>
+          <p:cNvPr id="2" name="Title 1"/>
+          <p:cNvSpPr>
+            <a:spLocks noGrp="1"/>
+          </p:cNvSpPr>
+          <p:nvPr>
+            <p:ph type="title"/>
+          </p:nvPr>
+        </p:nvSpPr>
+        <p:spPr/>
+        <p:txBody>
+          <a:bodyPr/>
+          <a:lstStyle/>
+          <a:p>
+            <a:r>
+              <a:rPr lang="en-US" dirty="0" smtClean="0"/>
+              <a:t>REST API</a:t>
+            </a:r>
+            <a:endParaRPr lang="en-US" dirty="0"/>
+          </a:p>
+        </p:txBody>
+      </p:sp>
+      <p:pic>
+        <p:nvPicPr>
+          <p:cNvPr id="5" name="Picture 4"/>
+          <p:cNvPicPr>
+            <a:picLocks noChangeAspect="1"/>
+          </p:cNvPicPr>
+          <p:nvPr/>
+        </p:nvPicPr>
+        <p:blipFill>
+          <a:blip r:embed="rId2"/>
+          <a:stretch>
+            <a:fillRect/>
+          </a:stretch>
+        </p:blipFill>
+        <p:spPr>
+          <a:xfrm>
+            <a:off x="6334218" y="1581884"/>
+            <a:ext cx="5496018" cy="3893013"/>
+          </a:xfrm>
+          <a:prstGeom prst="rect">
+            <a:avLst/>
+          </a:prstGeom>
+        </p:spPr>
+      </p:pic>
+      <p:pic>
+        <p:nvPicPr>
+          <p:cNvPr id="6" name="Picture 5"/>
+          <p:cNvPicPr>
+            <a:picLocks noChangeAspect="1"/>
+          </p:cNvPicPr>
+          <p:nvPr/>
+        </p:nvPicPr>
+        <p:blipFill>
+          <a:blip r:embed="rId3"/>
+          <a:stretch>
+            <a:fillRect/>
+          </a:stretch>
+        </p:blipFill>
+        <p:spPr>
+          <a:xfrm>
+            <a:off x="475582" y="1581884"/>
+            <a:ext cx="5496018" cy="3893013"/>
+          </a:xfrm>
+          <a:prstGeom prst="rect">
+            <a:avLst/>
+          </a:prstGeom>
+        </p:spPr>
+      </p:pic>
+      <p:sp>
+        <p:nvSpPr>
+          <p:cNvPr id="7" name="TextBox 6"/>
+          <p:cNvSpPr txBox="1"/>
+          <p:nvPr/>
+        </p:nvSpPr>
+        <p:spPr>
+          <a:xfrm>
+            <a:off x="2205780" y="5715000"/>
+            <a:ext cx="2035622" cy="369332"/>
+          </a:xfrm>
+          <a:prstGeom prst="rect">
+            <a:avLst/>
+          </a:prstGeom>
+          <a:noFill/>
+        </p:spPr>
+        <p:txBody>
+          <a:bodyPr wrap="none" rtlCol="0">
+            <a:spAutoFit/>
+          </a:bodyPr>
+          <a:lstStyle/>
+          <a:p>
+            <a:r>
+              <a:rPr lang="en-US" dirty="0" smtClean="0"/>
+              <a:t>Create data request</a:t>
+            </a:r>
+            <a:endParaRPr lang="en-US" dirty="0"/>
+          </a:p>
+        </p:txBody>
+      </p:sp>
+      <p:sp>
+        <p:nvSpPr>
+          <p:cNvPr id="8" name="TextBox 7"/>
+          <p:cNvSpPr txBox="1"/>
+          <p:nvPr/>
+        </p:nvSpPr>
+        <p:spPr>
+          <a:xfrm>
+            <a:off x="8082466" y="5715000"/>
+            <a:ext cx="1999522" cy="369332"/>
+          </a:xfrm>
+          <a:prstGeom prst="rect">
+            <a:avLst/>
+          </a:prstGeom>
+          <a:noFill/>
+        </p:spPr>
+        <p:txBody>
+          <a:bodyPr wrap="none" rtlCol="0">
+            <a:spAutoFit/>
+          </a:bodyPr>
+          <a:lstStyle/>
+          <a:p>
+            <a:r>
+              <a:rPr lang="en-US" dirty="0" smtClean="0"/>
+              <a:t>Query data request</a:t>
+            </a:r>
+          </a:p>
+        </p:txBody>
+      </p:sp>
+      <p:sp>
+        <p:nvSpPr>
+          <p:cNvPr id="9" name="Rectangle 8"/>
+          <p:cNvSpPr/>
+          <p:nvPr/>
+        </p:nvSpPr>
+        <p:spPr>
+          <a:xfrm>
+            <a:off x="7742583" y="3448613"/>
+            <a:ext cx="2872409" cy="288236"/>
+          </a:xfrm>
+          <a:prstGeom prst="rect">
+            <a:avLst/>
+          </a:prstGeom>
+          <a:noFill/>
+          <a:ln w="28575">
+            <a:solidFill>
+              <a:srgbClr val="C00000"/>
+            </a:solidFill>
+          </a:ln>
+        </p:spPr>
+        <p:style>
+          <a:lnRef idx="2">
+            <a:schemeClr val="accent1">
+              <a:shade val="50000"/>
+            </a:schemeClr>
+          </a:lnRef>
+          <a:fillRef idx="1">
+            <a:schemeClr val="accent1"/>
+          </a:fillRef>
+          <a:effectRef idx="0">
+            <a:schemeClr val="accent1"/>
+          </a:effectRef>
+          <a:fontRef idx="minor">
+            <a:schemeClr val="lt1"/>
+          </a:fontRef>
+        </p:style>
+        <p:txBody>
+          <a:bodyPr rtlCol="0" anchor="ctr"/>
+          <a:lstStyle/>
+          <a:p>
+            <a:pPr algn="ctr"/>
+            <a:endParaRPr lang="en-US"/>
+          </a:p>
+        </p:txBody>
+      </p:sp>
+    </p:spTree>
+    <p:extLst>
+      <p:ext uri="{BB962C8B-B14F-4D97-AF65-F5344CB8AC3E}">
+        <p14:creationId xmlns:p14="http://schemas.microsoft.com/office/powerpoint/2010/main" val="556238574"/>
+      </p:ext>
+    </p:extLst>
+  </p:cSld>
+  <p:clrMapOvr>
+    <a:masterClrMapping/>
+  </p:clrMapOvr>
+</p:sld>
+</file>
+
+<file path=ppt/slides/slide12.xml><?xml version="1.0" encoding="utf-8"?>
 <p:sld xmlns:a="http://schemas.openxmlformats.org/drawingml/2006/main" xmlns:r="http://schemas.openxmlformats.org/officeDocument/2006/relationships" xmlns:p="http://schemas.openxmlformats.org/presentationml/2006/main">
   <p:cSld>
     <p:spTree>
@@ -6491,7 +6875,7 @@
       </p:sp>
       <p:pic>
         <p:nvPicPr>
-          <p:cNvPr id="4" name="Picture 3"/>
+          <p:cNvPr id="5" name="Picture 4"/>
           <p:cNvPicPr>
             <a:picLocks noChangeAspect="1"/>
           </p:cNvPicPr>
@@ -6505,8 +6889,8 @@
         </p:blipFill>
         <p:spPr>
           <a:xfrm>
-            <a:off x="770725" y="1374500"/>
-            <a:ext cx="10710184" cy="5480603"/>
+            <a:off x="1476375" y="2219325"/>
+            <a:ext cx="9239250" cy="2419350"/>
           </a:xfrm>
           <a:prstGeom prst="rect">
             <a:avLst/>

--- a/docs/20140917-AzureSearch-DocumentDB.pptx
+++ b/docs/20140917-AzureSearch-DocumentDB.pptx
@@ -4035,6 +4035,77 @@
           </a:extLst>
         </p:spPr>
       </p:pic>
+      <p:pic>
+        <p:nvPicPr>
+          <p:cNvPr id="1046" name="Picture 22" descr="Andrew Siemer large"/>
+          <p:cNvPicPr>
+            <a:picLocks noChangeAspect="1" noChangeArrowheads="1"/>
+          </p:cNvPicPr>
+          <p:nvPr/>
+        </p:nvPicPr>
+        <p:blipFill>
+          <a:blip r:embed="rId9">
+            <a:extLst>
+              <a:ext uri="{28A0092B-C50C-407E-A947-70E740481C1C}">
+                <a14:useLocalDpi xmlns:a14="http://schemas.microsoft.com/office/drawing/2010/main" val="0"/>
+              </a:ext>
+            </a:extLst>
+          </a:blip>
+          <a:srcRect/>
+          <a:stretch>
+            <a:fillRect/>
+          </a:stretch>
+        </p:blipFill>
+        <p:spPr bwMode="auto">
+          <a:xfrm>
+            <a:off x="850156" y="1398923"/>
+            <a:ext cx="2275064" cy="2275064"/>
+          </a:xfrm>
+          <a:prstGeom prst="rect">
+            <a:avLst/>
+          </a:prstGeom>
+          <a:noFill/>
+          <a:extLst>
+            <a:ext uri="{909E8E84-426E-40DD-AFC4-6F175D3DCCD1}">
+              <a14:hiddenFill xmlns:a14="http://schemas.microsoft.com/office/drawing/2010/main">
+                <a:solidFill>
+                  <a:srgbClr val="FFFFFF"/>
+                </a:solidFill>
+              </a14:hiddenFill>
+            </a:ext>
+          </a:extLst>
+        </p:spPr>
+      </p:pic>
+      <p:sp>
+        <p:nvSpPr>
+          <p:cNvPr id="5" name="TextBox 4"/>
+          <p:cNvSpPr txBox="1"/>
+          <p:nvPr/>
+        </p:nvSpPr>
+        <p:spPr>
+          <a:xfrm>
+            <a:off x="9057931" y="2897988"/>
+            <a:ext cx="3157531" cy="369332"/>
+          </a:xfrm>
+          <a:prstGeom prst="rect">
+            <a:avLst/>
+          </a:prstGeom>
+          <a:noFill/>
+        </p:spPr>
+        <p:txBody>
+          <a:bodyPr wrap="none" rtlCol="0">
+            <a:spAutoFit/>
+          </a:bodyPr>
+          <a:lstStyle/>
+          <a:p>
+            <a:r>
+              <a:rPr lang="en-US" dirty="0" smtClean="0"/>
+              <a:t>http://about.me/andrewsiemer</a:t>
+            </a:r>
+            <a:endParaRPr lang="en-US" dirty="0"/>
+          </a:p>
+        </p:txBody>
+      </p:sp>
     </p:spTree>
     <p:extLst>
       <p:ext uri="{BB962C8B-B14F-4D97-AF65-F5344CB8AC3E}">
@@ -4045,6 +4116,13 @@
   <p:clrMapOvr>
     <a:masterClrMapping/>
   </p:clrMapOvr>
+  <p:timing>
+    <p:tnLst>
+      <p:par>
+        <p:cTn id="1" dur="indefinite" restart="never" nodeType="tmRoot"/>
+      </p:par>
+    </p:tnLst>
+  </p:timing>
 </p:sld>
 </file>
 
@@ -4221,6 +4299,13 @@
   <p:clrMapOvr>
     <a:masterClrMapping/>
   </p:clrMapOvr>
+  <p:timing>
+    <p:tnLst>
+      <p:par>
+        <p:cTn id="1" dur="indefinite" restart="never" nodeType="tmRoot"/>
+      </p:par>
+    </p:tnLst>
+  </p:timing>
 </p:sld>
 </file>
 
@@ -4427,6 +4512,13 @@
   <p:clrMapOvr>
     <a:masterClrMapping/>
   </p:clrMapOvr>
+  <p:timing>
+    <p:tnLst>
+      <p:par>
+        <p:cTn id="1" dur="indefinite" restart="never" nodeType="tmRoot"/>
+      </p:par>
+    </p:tnLst>
+  </p:timing>
 </p:sld>
 </file>
 
@@ -4734,6 +4826,13 @@
   <p:clrMapOvr>
     <a:masterClrMapping/>
   </p:clrMapOvr>
+  <p:timing>
+    <p:tnLst>
+      <p:par>
+        <p:cTn id="1" dur="indefinite" restart="never" nodeType="tmRoot"/>
+      </p:par>
+    </p:tnLst>
+  </p:timing>
 </p:sld>
 </file>
 
@@ -4988,6 +5087,13 @@
   <p:clrMapOvr>
     <a:masterClrMapping/>
   </p:clrMapOvr>
+  <p:timing>
+    <p:tnLst>
+      <p:par>
+        <p:cTn id="1" dur="indefinite" restart="never" nodeType="tmRoot"/>
+      </p:par>
+    </p:tnLst>
+  </p:timing>
 </p:sld>
 </file>
 
@@ -5527,6 +5633,13 @@
   <p:clrMapOvr>
     <a:masterClrMapping/>
   </p:clrMapOvr>
+  <p:timing>
+    <p:tnLst>
+      <p:par>
+        <p:cTn id="1" dur="indefinite" restart="never" nodeType="tmRoot"/>
+      </p:par>
+    </p:tnLst>
+  </p:timing>
 </p:sld>
 </file>
 
@@ -5712,6 +5825,13 @@
   <p:clrMapOvr>
     <a:masterClrMapping/>
   </p:clrMapOvr>
+  <p:timing>
+    <p:tnLst>
+      <p:par>
+        <p:cTn id="1" dur="indefinite" restart="never" nodeType="tmRoot"/>
+      </p:par>
+    </p:tnLst>
+  </p:timing>
 </p:sld>
 </file>
 
@@ -6189,6 +6309,13 @@
   <p:clrMapOvr>
     <a:masterClrMapping/>
   </p:clrMapOvr>
+  <p:timing>
+    <p:tnLst>
+      <p:par>
+        <p:cTn id="1" dur="indefinite" restart="never" nodeType="tmRoot"/>
+      </p:par>
+    </p:tnLst>
+  </p:timing>
 </p:sld>
 </file>
 
@@ -6421,6 +6548,13 @@
   <p:clrMapOvr>
     <a:masterClrMapping/>
   </p:clrMapOvr>
+  <p:timing>
+    <p:tnLst>
+      <p:par>
+        <p:cTn id="1" dur="indefinite" restart="never" nodeType="tmRoot"/>
+      </p:par>
+    </p:tnLst>
+  </p:timing>
 </p:sld>
 </file>
 
@@ -6728,6 +6862,13 @@
   <p:clrMapOvr>
     <a:masterClrMapping/>
   </p:clrMapOvr>
+  <p:timing>
+    <p:tnLst>
+      <p:par>
+        <p:cTn id="1" dur="indefinite" restart="never" nodeType="tmRoot"/>
+      </p:par>
+    </p:tnLst>
+  </p:timing>
 </p:sld>
 </file>
 
@@ -6830,6 +6971,13 @@
   <p:clrMapOvr>
     <a:masterClrMapping/>
   </p:clrMapOvr>
+  <p:timing>
+    <p:tnLst>
+      <p:par>
+        <p:cTn id="1" dur="indefinite" restart="never" nodeType="tmRoot"/>
+      </p:par>
+    </p:tnLst>
+  </p:timing>
 </p:sld>
 </file>
 
@@ -6907,6 +7055,13 @@
   <p:clrMapOvr>
     <a:masterClrMapping/>
   </p:clrMapOvr>
+  <p:timing>
+    <p:tnLst>
+      <p:par>
+        <p:cTn id="1" dur="indefinite" restart="never" nodeType="tmRoot"/>
+      </p:par>
+    </p:tnLst>
+  </p:timing>
 </p:sld>
 </file>
 
